--- a/SolidDesign.pptx
+++ b/SolidDesign.pptx
@@ -3957,10 +3957,9 @@
           <a:lstStyle/>
           <a:p>
             <a:r>
-              <a:rPr lang="en-US" dirty="0"/>
-              <a:t>SOLID design</a:t>
-            </a:r>
-            <a:endParaRPr lang="ru-RU" dirty="0"/>
+              <a:rPr lang="ru-RU" dirty="0"/>
+              <a:t>Проектирование</a:t>
+            </a:r>
           </a:p>
         </p:txBody>
       </p:sp>
